--- a/doc/ppt/lnmp.pptx
+++ b/doc/ppt/lnmp.pptx
@@ -8,6 +8,10 @@
     <p:sldId id="256" r:id="rId2"/>
     <p:sldId id="257" r:id="rId3"/>
     <p:sldId id="258" r:id="rId4"/>
+    <p:sldId id="259" r:id="rId5"/>
+    <p:sldId id="260" r:id="rId6"/>
+    <p:sldId id="261" r:id="rId7"/>
+    <p:sldId id="262" r:id="rId8"/>
   </p:sldIdLst>
   <p:sldSz cx="9144000" cy="6858000" type="screen4x3"/>
   <p:notesSz cx="6858000" cy="9144000"/>
@@ -3227,25 +3231,10 @@
           <a:p>
             <a:pPr lvl="1"/>
             <a:r>
-              <a:rPr lang="en-US" altLang="zh-CN" sz="1600" dirty="0" err="1" smtClean="0"/>
-              <a:t>Nginx</a:t>
-            </a:r>
-            <a:endParaRPr lang="en-US" altLang="zh-CN" sz="1600" dirty="0" smtClean="0"/>
-          </a:p>
-          <a:p>
-            <a:pPr lvl="1"/>
-            <a:r>
-              <a:rPr lang="en-US" altLang="zh-CN" sz="1600" dirty="0" err="1" smtClean="0"/>
-              <a:t>Mysql</a:t>
-            </a:r>
-            <a:endParaRPr lang="en-US" altLang="zh-CN" sz="1600" dirty="0" smtClean="0"/>
-          </a:p>
-          <a:p>
-            <a:pPr lvl="1"/>
-            <a:r>
               <a:rPr lang="en-US" altLang="zh-CN" sz="1600" dirty="0" smtClean="0"/>
               <a:t>PHP</a:t>
             </a:r>
+            <a:endParaRPr lang="en-US" altLang="zh-CN" sz="1600" dirty="0" smtClean="0"/>
           </a:p>
           <a:p>
             <a:r>
@@ -3253,30 +3242,6 @@
               <a:t>上完本课后将会学会</a:t>
             </a:r>
             <a:endParaRPr lang="en-US" altLang="zh-CN" sz="2400" dirty="0" smtClean="0"/>
-          </a:p>
-          <a:p>
-            <a:pPr lvl="1"/>
-            <a:r>
-              <a:rPr lang="zh-CN" altLang="en-US" sz="1600" dirty="0" smtClean="0"/>
-              <a:t>配置一个</a:t>
-            </a:r>
-            <a:r>
-              <a:rPr lang="en-US" altLang="zh-CN" sz="1600" dirty="0" smtClean="0"/>
-              <a:t>Web</a:t>
-            </a:r>
-            <a:r>
-              <a:rPr lang="zh-CN" altLang="en-US" sz="1600" dirty="0" smtClean="0"/>
-              <a:t>服务器</a:t>
-            </a:r>
-            <a:endParaRPr lang="en-US" altLang="zh-CN" sz="1600" dirty="0" smtClean="0"/>
-          </a:p>
-          <a:p>
-            <a:pPr lvl="1"/>
-            <a:r>
-              <a:rPr lang="zh-CN" altLang="en-US" sz="1600" dirty="0" smtClean="0"/>
-              <a:t>使用数据库</a:t>
-            </a:r>
-            <a:endParaRPr lang="en-US" altLang="zh-CN" sz="1600" dirty="0" smtClean="0"/>
           </a:p>
           <a:p>
             <a:pPr lvl="1"/>
@@ -3398,9 +3363,726 @@
             </a:r>
             <a:r>
               <a:rPr lang="en-US" altLang="zh-CN" sz="2000" dirty="0" smtClean="0"/>
-              <a:t>Centos 7.2</a:t>
-            </a:r>
-            <a:endParaRPr lang="zh-CN" altLang="en-US" sz="2000" dirty="0"/>
+              <a:t>Centos </a:t>
+            </a:r>
+            <a:r>
+              <a:rPr lang="en-US" altLang="zh-CN" sz="2000" dirty="0" smtClean="0"/>
+              <a:t>7.2</a:t>
+            </a:r>
+          </a:p>
+          <a:p>
+            <a:r>
+              <a:rPr lang="en-US" altLang="zh-CN" sz="2000" dirty="0" smtClean="0"/>
+              <a:t>Linux </a:t>
+            </a:r>
+            <a:r>
+              <a:rPr lang="zh-CN" altLang="en-US" sz="2000" dirty="0" smtClean="0"/>
+              <a:t>需要掌握一些基础命令</a:t>
+            </a:r>
+            <a:endParaRPr lang="en-US" altLang="zh-CN" sz="2000" dirty="0" smtClean="0"/>
+          </a:p>
+          <a:p>
+            <a:pPr lvl="1"/>
+            <a:r>
+              <a:rPr lang="zh-CN" altLang="en-US" sz="1600" dirty="0" smtClean="0"/>
+              <a:t>文件目录跳</a:t>
+            </a:r>
+            <a:r>
+              <a:rPr lang="zh-CN" altLang="en-US" sz="1600" dirty="0" smtClean="0"/>
+              <a:t>转 </a:t>
+            </a:r>
+            <a:r>
+              <a:rPr lang="en-US" altLang="zh-CN" sz="1600" dirty="0" err="1" smtClean="0"/>
+              <a:t>cd</a:t>
+            </a:r>
+            <a:r>
+              <a:rPr lang="en-US" altLang="zh-CN" sz="1600" dirty="0" smtClean="0"/>
+              <a:t> </a:t>
+            </a:r>
+          </a:p>
+          <a:p>
+            <a:pPr lvl="1"/>
+            <a:r>
+              <a:rPr lang="zh-CN" altLang="en-US" sz="1600" dirty="0" smtClean="0"/>
+              <a:t>目录</a:t>
+            </a:r>
+            <a:r>
+              <a:rPr lang="zh-CN" altLang="en-US" sz="1600" dirty="0" smtClean="0"/>
+              <a:t>信息 </a:t>
+            </a:r>
+            <a:r>
+              <a:rPr lang="en-US" altLang="zh-CN" sz="1600" dirty="0" err="1" smtClean="0"/>
+              <a:t>ls</a:t>
+            </a:r>
+            <a:r>
+              <a:rPr lang="en-US" altLang="zh-CN" sz="1600" dirty="0" smtClean="0"/>
+              <a:t> </a:t>
+            </a:r>
+            <a:r>
+              <a:rPr lang="zh-CN" altLang="en-US" sz="1600" dirty="0" smtClean="0"/>
+              <a:t> </a:t>
+            </a:r>
+            <a:r>
+              <a:rPr lang="en-US" altLang="zh-CN" sz="1600" dirty="0" err="1" smtClean="0"/>
+              <a:t>Pwd</a:t>
+            </a:r>
+            <a:endParaRPr lang="en-US" altLang="zh-CN" sz="1600" dirty="0" smtClean="0"/>
+          </a:p>
+          <a:p>
+            <a:pPr lvl="1"/>
+            <a:r>
+              <a:rPr lang="zh-CN" altLang="en-US" sz="1600" dirty="0" smtClean="0"/>
+              <a:t>文件操作</a:t>
+            </a:r>
+            <a:r>
+              <a:rPr lang="zh-CN" altLang="en-US" sz="1600" dirty="0" smtClean="0"/>
+              <a:t>命令 </a:t>
+            </a:r>
+            <a:r>
+              <a:rPr lang="en-US" altLang="zh-CN" sz="1600" dirty="0" err="1" smtClean="0"/>
+              <a:t>mkdir</a:t>
+            </a:r>
+            <a:r>
+              <a:rPr lang="en-US" altLang="zh-CN" sz="1600" dirty="0" smtClean="0"/>
+              <a:t> </a:t>
+            </a:r>
+            <a:r>
+              <a:rPr lang="en-US" altLang="zh-CN" sz="1600" dirty="0" err="1" smtClean="0"/>
+              <a:t>mv</a:t>
+            </a:r>
+            <a:r>
+              <a:rPr lang="en-US" altLang="zh-CN" sz="1600" dirty="0" smtClean="0"/>
+              <a:t> </a:t>
+            </a:r>
+            <a:r>
+              <a:rPr lang="en-US" altLang="zh-CN" sz="1600" dirty="0" err="1" smtClean="0"/>
+              <a:t>rm</a:t>
+            </a:r>
+            <a:r>
+              <a:rPr lang="en-US" altLang="zh-CN" sz="1600" dirty="0" smtClean="0"/>
+              <a:t> touch</a:t>
+            </a:r>
+            <a:endParaRPr lang="en-US" altLang="zh-CN" sz="1600" dirty="0" smtClean="0"/>
+          </a:p>
+          <a:p>
+            <a:pPr lvl="1"/>
+            <a:r>
+              <a:rPr lang="zh-CN" altLang="en-US" sz="1600" dirty="0" smtClean="0"/>
+              <a:t>复制</a:t>
+            </a:r>
+            <a:r>
+              <a:rPr lang="zh-CN" altLang="en-US" sz="1600" dirty="0" smtClean="0"/>
+              <a:t>命令 </a:t>
+            </a:r>
+            <a:r>
+              <a:rPr lang="en-US" altLang="zh-CN" sz="1600" dirty="0" smtClean="0"/>
+              <a:t>Cp</a:t>
+            </a:r>
+          </a:p>
+          <a:p>
+            <a:pPr lvl="1"/>
+            <a:r>
+              <a:rPr lang="zh-CN" altLang="en-US" sz="1600" dirty="0" smtClean="0"/>
+              <a:t>查看文件</a:t>
+            </a:r>
+            <a:r>
+              <a:rPr lang="zh-CN" altLang="en-US" sz="1600" dirty="0" smtClean="0"/>
+              <a:t>内容 </a:t>
+            </a:r>
+            <a:r>
+              <a:rPr lang="en-US" altLang="zh-CN" sz="1600" dirty="0" smtClean="0"/>
+              <a:t>cat head more </a:t>
+            </a:r>
+            <a:r>
+              <a:rPr lang="en-US" altLang="zh-CN" sz="1600" dirty="0" err="1" smtClean="0"/>
+              <a:t>tac</a:t>
+            </a:r>
+            <a:r>
+              <a:rPr lang="en-US" altLang="zh-CN" sz="1600" dirty="0" smtClean="0"/>
+              <a:t> </a:t>
+            </a:r>
+            <a:r>
+              <a:rPr lang="en-US" altLang="zh-CN" sz="1600" dirty="0" smtClean="0"/>
+              <a:t>tail</a:t>
+            </a:r>
+          </a:p>
+          <a:p>
+            <a:pPr lvl="1"/>
+            <a:r>
+              <a:rPr lang="zh-CN" altLang="en-US" sz="1600" dirty="0" smtClean="0"/>
+              <a:t>查找 </a:t>
+            </a:r>
+            <a:r>
+              <a:rPr lang="en-US" altLang="zh-CN" sz="1600" dirty="0" smtClean="0"/>
+              <a:t>find</a:t>
+            </a:r>
+          </a:p>
+          <a:p>
+            <a:pPr lvl="1"/>
+            <a:r>
+              <a:rPr lang="zh-CN" altLang="en-US" sz="1600" dirty="0" smtClean="0"/>
+              <a:t>压缩和解</a:t>
+            </a:r>
+            <a:r>
+              <a:rPr lang="zh-CN" altLang="en-US" sz="1600" dirty="0" smtClean="0"/>
+              <a:t>压缩  </a:t>
+            </a:r>
+            <a:r>
+              <a:rPr lang="en-US" altLang="zh-CN" sz="1600" dirty="0" smtClean="0"/>
+              <a:t> tar zip </a:t>
+            </a:r>
+            <a:r>
+              <a:rPr lang="en-US" altLang="zh-CN" sz="1600" dirty="0" err="1" smtClean="0"/>
+              <a:t>gzip</a:t>
+            </a:r>
+            <a:endParaRPr lang="en-US" altLang="zh-CN" sz="1600" dirty="0" smtClean="0"/>
+          </a:p>
+          <a:p>
+            <a:pPr lvl="1"/>
+            <a:r>
+              <a:rPr lang="zh-CN" altLang="en-US" sz="1600" dirty="0" smtClean="0"/>
+              <a:t>包</a:t>
+            </a:r>
+            <a:r>
+              <a:rPr lang="zh-CN" altLang="en-US" sz="1600" dirty="0" smtClean="0"/>
+              <a:t>管理器  </a:t>
+            </a:r>
+            <a:r>
+              <a:rPr lang="en-US" altLang="zh-CN" sz="1600" dirty="0" smtClean="0"/>
+              <a:t>yum</a:t>
+            </a:r>
+          </a:p>
+          <a:p>
+            <a:pPr lvl="1"/>
+            <a:r>
+              <a:rPr lang="zh-CN" altLang="en-US" sz="1600" dirty="0" smtClean="0"/>
+              <a:t>网络 </a:t>
+            </a:r>
+            <a:r>
+              <a:rPr lang="en-US" altLang="zh-CN" sz="1600" dirty="0" err="1" smtClean="0"/>
+              <a:t>ip</a:t>
+            </a:r>
+            <a:endParaRPr lang="en-US" altLang="zh-CN" sz="1600" dirty="0" smtClean="0"/>
+          </a:p>
+          <a:p>
+            <a:pPr lvl="1"/>
+            <a:r>
+              <a:rPr lang="zh-CN" altLang="en-US" sz="1600" dirty="0" smtClean="0"/>
+              <a:t>其他 </a:t>
+            </a:r>
+            <a:r>
+              <a:rPr lang="en-US" altLang="zh-CN" sz="1600" dirty="0" err="1" smtClean="0"/>
+              <a:t>su</a:t>
+            </a:r>
+            <a:r>
+              <a:rPr lang="en-US" altLang="zh-CN" sz="1600" dirty="0" smtClean="0"/>
+              <a:t> shutdown top ping </a:t>
+            </a:r>
+            <a:r>
+              <a:rPr lang="en-US" altLang="zh-CN" sz="1600" dirty="0" err="1" smtClean="0"/>
+              <a:t>df</a:t>
+            </a:r>
+            <a:endParaRPr lang="en-US" altLang="zh-CN" sz="1600" dirty="0" smtClean="0"/>
+          </a:p>
+          <a:p>
+            <a:pPr lvl="1"/>
+            <a:endParaRPr lang="zh-CN" altLang="en-US" sz="1600" dirty="0"/>
+          </a:p>
+        </p:txBody>
+      </p:sp>
+    </p:spTree>
+  </p:cSld>
+  <p:clrMapOvr>
+    <a:masterClrMapping/>
+  </p:clrMapOvr>
+</p:sld>
+</file>
+
+<file path=ppt/slides/slide4.xml><?xml version="1.0" encoding="utf-8"?>
+<p:sld xmlns:a="http://schemas.openxmlformats.org/drawingml/2006/main" xmlns:r="http://schemas.openxmlformats.org/officeDocument/2006/relationships" xmlns:p="http://schemas.openxmlformats.org/presentationml/2006/main">
+  <p:cSld>
+    <p:spTree>
+      <p:nvGrpSpPr>
+        <p:cNvPr id="1" name=""/>
+        <p:cNvGrpSpPr/>
+        <p:nvPr/>
+      </p:nvGrpSpPr>
+      <p:grpSpPr>
+        <a:xfrm>
+          <a:off x="0" y="0"/>
+          <a:ext cx="0" cy="0"/>
+          <a:chOff x="0" y="0"/>
+          <a:chExt cx="0" cy="0"/>
+        </a:xfrm>
+      </p:grpSpPr>
+      <p:sp>
+        <p:nvSpPr>
+          <p:cNvPr id="2" name="标题 1"/>
+          <p:cNvSpPr>
+            <a:spLocks noGrp="1"/>
+          </p:cNvSpPr>
+          <p:nvPr>
+            <p:ph type="title"/>
+          </p:nvPr>
+        </p:nvSpPr>
+        <p:spPr/>
+        <p:txBody>
+          <a:bodyPr/>
+          <a:lstStyle/>
+          <a:p>
+            <a:r>
+              <a:rPr lang="en-US" altLang="zh-CN" dirty="0" err="1" smtClean="0"/>
+              <a:t>WebStorm</a:t>
+            </a:r>
+            <a:endParaRPr lang="zh-CN" altLang="en-US" dirty="0"/>
+          </a:p>
+        </p:txBody>
+      </p:sp>
+      <p:sp>
+        <p:nvSpPr>
+          <p:cNvPr id="3" name="内容占位符 2"/>
+          <p:cNvSpPr>
+            <a:spLocks noGrp="1"/>
+          </p:cNvSpPr>
+          <p:nvPr>
+            <p:ph idx="1"/>
+          </p:nvPr>
+        </p:nvSpPr>
+        <p:spPr/>
+        <p:txBody>
+          <a:bodyPr/>
+          <a:lstStyle/>
+          <a:p>
+            <a:r>
+              <a:rPr lang="zh-CN" altLang="en-US" dirty="0" smtClean="0"/>
+              <a:t>重量级</a:t>
+            </a:r>
+            <a:r>
+              <a:rPr lang="en-US" altLang="zh-CN" dirty="0" err="1" smtClean="0"/>
+              <a:t>php</a:t>
+            </a:r>
+            <a:r>
+              <a:rPr lang="zh-CN" altLang="en-US" dirty="0" smtClean="0"/>
+              <a:t>编辑器</a:t>
+            </a:r>
+            <a:r>
+              <a:rPr lang="en-US" altLang="zh-CN" dirty="0" smtClean="0"/>
+              <a:t>,</a:t>
+            </a:r>
+            <a:r>
+              <a:rPr lang="zh-CN" altLang="en-US" dirty="0" smtClean="0"/>
+              <a:t>包含很多功能</a:t>
+            </a:r>
+            <a:endParaRPr lang="en-US" altLang="zh-CN" dirty="0" smtClean="0"/>
+          </a:p>
+          <a:p>
+            <a:r>
+              <a:rPr lang="zh-CN" altLang="en-US" dirty="0" smtClean="0"/>
+              <a:t>会用到文件同步功能，</a:t>
+            </a:r>
+            <a:r>
+              <a:rPr lang="en-US" altLang="zh-CN" dirty="0" smtClean="0"/>
+              <a:t>win</a:t>
+            </a:r>
+            <a:r>
+              <a:rPr lang="zh-CN" altLang="en-US" dirty="0" smtClean="0"/>
+              <a:t>下编写代码，同步到</a:t>
+            </a:r>
+            <a:r>
+              <a:rPr lang="en-US" altLang="zh-CN" dirty="0" err="1" smtClean="0"/>
+              <a:t>linux</a:t>
+            </a:r>
+            <a:r>
+              <a:rPr lang="zh-CN" altLang="en-US" dirty="0" smtClean="0"/>
+              <a:t>上运行</a:t>
+            </a:r>
+            <a:endParaRPr lang="zh-CN" altLang="en-US" dirty="0"/>
+          </a:p>
+        </p:txBody>
+      </p:sp>
+    </p:spTree>
+  </p:cSld>
+  <p:clrMapOvr>
+    <a:masterClrMapping/>
+  </p:clrMapOvr>
+</p:sld>
+</file>
+
+<file path=ppt/slides/slide5.xml><?xml version="1.0" encoding="utf-8"?>
+<p:sld xmlns:a="http://schemas.openxmlformats.org/drawingml/2006/main" xmlns:r="http://schemas.openxmlformats.org/officeDocument/2006/relationships" xmlns:p="http://schemas.openxmlformats.org/presentationml/2006/main">
+  <p:cSld>
+    <p:spTree>
+      <p:nvGrpSpPr>
+        <p:cNvPr id="1" name=""/>
+        <p:cNvGrpSpPr/>
+        <p:nvPr/>
+      </p:nvGrpSpPr>
+      <p:grpSpPr>
+        <a:xfrm>
+          <a:off x="0" y="0"/>
+          <a:ext cx="0" cy="0"/>
+          <a:chOff x="0" y="0"/>
+          <a:chExt cx="0" cy="0"/>
+        </a:xfrm>
+      </p:grpSpPr>
+      <p:sp>
+        <p:nvSpPr>
+          <p:cNvPr id="2" name="标题 1"/>
+          <p:cNvSpPr>
+            <a:spLocks noGrp="1"/>
+          </p:cNvSpPr>
+          <p:nvPr>
+            <p:ph type="title"/>
+          </p:nvPr>
+        </p:nvSpPr>
+        <p:spPr/>
+        <p:txBody>
+          <a:bodyPr/>
+          <a:lstStyle/>
+          <a:p>
+            <a:r>
+              <a:rPr lang="zh-CN" altLang="en-US" dirty="0" smtClean="0"/>
+              <a:t>使用</a:t>
+            </a:r>
+            <a:r>
+              <a:rPr lang="en-US" altLang="zh-CN" dirty="0" smtClean="0"/>
+              <a:t>PHP</a:t>
+            </a:r>
+            <a:r>
+              <a:rPr lang="zh-CN" altLang="en-US" dirty="0" smtClean="0"/>
+              <a:t>自带</a:t>
+            </a:r>
+            <a:r>
+              <a:rPr lang="en-US" altLang="zh-CN" dirty="0" smtClean="0"/>
+              <a:t>web server</a:t>
+            </a:r>
+            <a:endParaRPr lang="zh-CN" altLang="en-US" dirty="0"/>
+          </a:p>
+        </p:txBody>
+      </p:sp>
+      <p:sp>
+        <p:nvSpPr>
+          <p:cNvPr id="3" name="内容占位符 2"/>
+          <p:cNvSpPr>
+            <a:spLocks noGrp="1"/>
+          </p:cNvSpPr>
+          <p:nvPr>
+            <p:ph idx="1"/>
+          </p:nvPr>
+        </p:nvSpPr>
+        <p:spPr/>
+        <p:txBody>
+          <a:bodyPr/>
+          <a:lstStyle/>
+          <a:p>
+            <a:r>
+              <a:rPr lang="zh-CN" altLang="en-US" dirty="0" smtClean="0"/>
+              <a:t>在开发环境中，可以使用</a:t>
+            </a:r>
+            <a:r>
+              <a:rPr lang="en-US" altLang="zh-CN" dirty="0" err="1" smtClean="0"/>
+              <a:t>php</a:t>
+            </a:r>
+            <a:r>
+              <a:rPr lang="zh-CN" altLang="en-US" dirty="0" smtClean="0"/>
+              <a:t>自带的</a:t>
+            </a:r>
+            <a:r>
+              <a:rPr lang="en-US" altLang="zh-CN" dirty="0" smtClean="0"/>
+              <a:t>web server</a:t>
+            </a:r>
+            <a:r>
+              <a:rPr lang="zh-CN" altLang="en-US" dirty="0" smtClean="0"/>
+              <a:t>创建服务，避免配置</a:t>
+            </a:r>
+            <a:r>
+              <a:rPr lang="en-US" altLang="zh-CN" dirty="0" err="1" smtClean="0"/>
+              <a:t>nginx</a:t>
+            </a:r>
+            <a:r>
+              <a:rPr lang="zh-CN" altLang="en-US" dirty="0" smtClean="0"/>
+              <a:t>，达到快速开发的效果。</a:t>
+            </a:r>
+            <a:endParaRPr lang="en-US" altLang="zh-CN" dirty="0" smtClean="0"/>
+          </a:p>
+          <a:p>
+            <a:r>
+              <a:rPr lang="zh-CN" altLang="en-US" dirty="0" smtClean="0"/>
+              <a:t>命令</a:t>
+            </a:r>
+            <a:r>
+              <a:rPr lang="en-US" altLang="zh-CN" dirty="0" smtClean="0"/>
+              <a:t>: `</a:t>
+            </a:r>
+            <a:r>
+              <a:rPr lang="en-US" altLang="zh-CN" dirty="0" err="1" smtClean="0"/>
+              <a:t>php</a:t>
+            </a:r>
+            <a:r>
+              <a:rPr lang="en-US" altLang="zh-CN" dirty="0" smtClean="0"/>
+              <a:t> –S 0:1024`, </a:t>
+            </a:r>
+            <a:r>
+              <a:rPr lang="zh-CN" altLang="en-US" dirty="0" smtClean="0"/>
+              <a:t>允许所有连接访问</a:t>
+            </a:r>
+            <a:r>
+              <a:rPr lang="en-US" altLang="zh-CN" dirty="0" smtClean="0"/>
+              <a:t>1024</a:t>
+            </a:r>
+            <a:r>
+              <a:rPr lang="zh-CN" altLang="en-US" dirty="0" smtClean="0"/>
+              <a:t>端口，指向该目录</a:t>
+            </a:r>
+            <a:endParaRPr lang="zh-CN" altLang="en-US" dirty="0"/>
+          </a:p>
+        </p:txBody>
+      </p:sp>
+    </p:spTree>
+  </p:cSld>
+  <p:clrMapOvr>
+    <a:masterClrMapping/>
+  </p:clrMapOvr>
+</p:sld>
+</file>
+
+<file path=ppt/slides/slide6.xml><?xml version="1.0" encoding="utf-8"?>
+<p:sld xmlns:a="http://schemas.openxmlformats.org/drawingml/2006/main" xmlns:r="http://schemas.openxmlformats.org/officeDocument/2006/relationships" xmlns:p="http://schemas.openxmlformats.org/presentationml/2006/main">
+  <p:cSld>
+    <p:spTree>
+      <p:nvGrpSpPr>
+        <p:cNvPr id="1" name=""/>
+        <p:cNvGrpSpPr/>
+        <p:nvPr/>
+      </p:nvGrpSpPr>
+      <p:grpSpPr>
+        <a:xfrm>
+          <a:off x="0" y="0"/>
+          <a:ext cx="0" cy="0"/>
+          <a:chOff x="0" y="0"/>
+          <a:chExt cx="0" cy="0"/>
+        </a:xfrm>
+      </p:grpSpPr>
+      <p:sp>
+        <p:nvSpPr>
+          <p:cNvPr id="2" name="标题 1"/>
+          <p:cNvSpPr>
+            <a:spLocks noGrp="1"/>
+          </p:cNvSpPr>
+          <p:nvPr>
+            <p:ph type="title"/>
+          </p:nvPr>
+        </p:nvSpPr>
+        <p:spPr/>
+        <p:txBody>
+          <a:bodyPr/>
+          <a:lstStyle/>
+          <a:p>
+            <a:r>
+              <a:rPr lang="en-US" altLang="zh-CN" dirty="0" smtClean="0"/>
+              <a:t>Linux</a:t>
+            </a:r>
+            <a:r>
+              <a:rPr lang="zh-CN" altLang="en-US" dirty="0" smtClean="0"/>
+              <a:t>防火墙</a:t>
+            </a:r>
+            <a:endParaRPr lang="zh-CN" altLang="en-US" dirty="0"/>
+          </a:p>
+        </p:txBody>
+      </p:sp>
+      <p:sp>
+        <p:nvSpPr>
+          <p:cNvPr id="3" name="内容占位符 2"/>
+          <p:cNvSpPr>
+            <a:spLocks noGrp="1"/>
+          </p:cNvSpPr>
+          <p:nvPr>
+            <p:ph idx="1"/>
+          </p:nvPr>
+        </p:nvSpPr>
+        <p:spPr/>
+        <p:txBody>
+          <a:bodyPr>
+            <a:normAutofit/>
+          </a:bodyPr>
+          <a:lstStyle/>
+          <a:p>
+            <a:r>
+              <a:rPr lang="en-US" altLang="zh-CN" sz="1800" dirty="0" smtClean="0"/>
+              <a:t>Linux </a:t>
+            </a:r>
+            <a:r>
+              <a:rPr lang="zh-CN" altLang="en-US" sz="1800" dirty="0" smtClean="0"/>
+              <a:t>默认开启部分端口，例如</a:t>
+            </a:r>
+            <a:r>
+              <a:rPr lang="en-US" altLang="zh-CN" sz="1800" dirty="0" smtClean="0"/>
+              <a:t>22</a:t>
+            </a:r>
+            <a:r>
+              <a:rPr lang="zh-CN" altLang="en-US" sz="1800" dirty="0" smtClean="0"/>
+              <a:t>，</a:t>
+            </a:r>
+            <a:r>
+              <a:rPr lang="en-US" altLang="zh-CN" sz="1800" dirty="0" smtClean="0"/>
+              <a:t>80</a:t>
+            </a:r>
+            <a:r>
+              <a:rPr lang="zh-CN" altLang="en-US" sz="1800" dirty="0" smtClean="0"/>
+              <a:t>，</a:t>
+            </a:r>
+            <a:r>
+              <a:rPr lang="en-US" altLang="zh-CN" sz="1800" dirty="0" smtClean="0"/>
+              <a:t>443</a:t>
+            </a:r>
+            <a:r>
+              <a:rPr lang="zh-CN" altLang="en-US" sz="1800" dirty="0" smtClean="0"/>
+              <a:t>端口。端口类似于通道，一个应用占用一个或多个通道，用户通过通道来访问应用。</a:t>
+            </a:r>
+            <a:endParaRPr lang="en-US" altLang="zh-CN" sz="1800" dirty="0" smtClean="0"/>
+          </a:p>
+          <a:p>
+            <a:r>
+              <a:rPr lang="zh-CN" altLang="en-US" sz="1800" dirty="0" smtClean="0"/>
+              <a:t>浏览器访问</a:t>
+            </a:r>
+            <a:r>
+              <a:rPr lang="en-US" altLang="zh-CN" sz="1800" dirty="0" err="1" smtClean="0"/>
+              <a:t>url</a:t>
+            </a:r>
+            <a:r>
+              <a:rPr lang="zh-CN" altLang="en-US" sz="1800" dirty="0" smtClean="0"/>
+              <a:t>时，默认会补充</a:t>
+            </a:r>
+            <a:r>
+              <a:rPr lang="en-US" altLang="zh-CN" sz="1800" dirty="0" smtClean="0"/>
+              <a:t>80</a:t>
+            </a:r>
+            <a:r>
+              <a:rPr lang="zh-CN" altLang="en-US" sz="1800" dirty="0" smtClean="0"/>
+              <a:t>端口</a:t>
+            </a:r>
+            <a:endParaRPr lang="en-US" altLang="zh-CN" sz="1800" dirty="0" smtClean="0"/>
+          </a:p>
+          <a:p>
+            <a:r>
+              <a:rPr lang="zh-CN" altLang="en-US" sz="1800" dirty="0" smtClean="0"/>
+              <a:t>编辑防火墙： </a:t>
+            </a:r>
+            <a:r>
+              <a:rPr lang="en-US" altLang="zh-CN" sz="1800" dirty="0" smtClean="0"/>
+              <a:t>`</a:t>
+            </a:r>
+            <a:r>
+              <a:rPr lang="en-US" altLang="zh-CN" sz="1800" dirty="0" err="1" smtClean="0"/>
+              <a:t>sudo</a:t>
+            </a:r>
+            <a:r>
+              <a:rPr lang="en-US" altLang="zh-CN" sz="1800" dirty="0" smtClean="0"/>
+              <a:t> vim /etc/</a:t>
+            </a:r>
+            <a:r>
+              <a:rPr lang="en-US" altLang="zh-CN" sz="1800" dirty="0" err="1" smtClean="0"/>
+              <a:t>sysconfig</a:t>
+            </a:r>
+            <a:r>
+              <a:rPr lang="en-US" altLang="zh-CN" sz="1800" dirty="0" smtClean="0"/>
+              <a:t>/</a:t>
+            </a:r>
+            <a:r>
+              <a:rPr lang="en-US" altLang="zh-CN" sz="1800" dirty="0" err="1" smtClean="0"/>
+              <a:t>iptables</a:t>
+            </a:r>
+            <a:r>
+              <a:rPr lang="en-US" altLang="zh-CN" sz="1800" dirty="0" smtClean="0"/>
+              <a:t>`</a:t>
+            </a:r>
+          </a:p>
+        </p:txBody>
+      </p:sp>
+    </p:spTree>
+  </p:cSld>
+  <p:clrMapOvr>
+    <a:masterClrMapping/>
+  </p:clrMapOvr>
+</p:sld>
+</file>
+
+<file path=ppt/slides/slide7.xml><?xml version="1.0" encoding="utf-8"?>
+<p:sld xmlns:a="http://schemas.openxmlformats.org/drawingml/2006/main" xmlns:r="http://schemas.openxmlformats.org/officeDocument/2006/relationships" xmlns:p="http://schemas.openxmlformats.org/presentationml/2006/main">
+  <p:cSld>
+    <p:spTree>
+      <p:nvGrpSpPr>
+        <p:cNvPr id="1" name=""/>
+        <p:cNvGrpSpPr/>
+        <p:nvPr/>
+      </p:nvGrpSpPr>
+      <p:grpSpPr>
+        <a:xfrm>
+          <a:off x="0" y="0"/>
+          <a:ext cx="0" cy="0"/>
+          <a:chOff x="0" y="0"/>
+          <a:chExt cx="0" cy="0"/>
+        </a:xfrm>
+      </p:grpSpPr>
+      <p:sp>
+        <p:nvSpPr>
+          <p:cNvPr id="2" name="标题 1"/>
+          <p:cNvSpPr>
+            <a:spLocks noGrp="1"/>
+          </p:cNvSpPr>
+          <p:nvPr>
+            <p:ph type="title"/>
+          </p:nvPr>
+        </p:nvSpPr>
+        <p:spPr/>
+        <p:txBody>
+          <a:bodyPr/>
+          <a:lstStyle/>
+          <a:p>
+            <a:r>
+              <a:rPr lang="en-US" altLang="zh-CN" dirty="0" smtClean="0"/>
+              <a:t>PHP</a:t>
+            </a:r>
+            <a:r>
+              <a:rPr lang="zh-CN" altLang="en-US" dirty="0" smtClean="0"/>
+              <a:t>的两种执行方式</a:t>
+            </a:r>
+            <a:endParaRPr lang="zh-CN" altLang="en-US" dirty="0"/>
+          </a:p>
+        </p:txBody>
+      </p:sp>
+      <p:sp>
+        <p:nvSpPr>
+          <p:cNvPr id="3" name="内容占位符 2"/>
+          <p:cNvSpPr>
+            <a:spLocks noGrp="1"/>
+          </p:cNvSpPr>
+          <p:nvPr>
+            <p:ph idx="1"/>
+          </p:nvPr>
+        </p:nvSpPr>
+        <p:spPr/>
+        <p:txBody>
+          <a:bodyPr/>
+          <a:lstStyle/>
+          <a:p>
+            <a:r>
+              <a:rPr lang="zh-CN" altLang="en-US" dirty="0" smtClean="0"/>
+              <a:t>命令行执行（命令行中调用）</a:t>
+            </a:r>
+            <a:endParaRPr lang="en-US" altLang="zh-CN" dirty="0" smtClean="0"/>
+          </a:p>
+          <a:p>
+            <a:r>
+              <a:rPr lang="en-US" altLang="zh-CN" dirty="0" smtClean="0"/>
+              <a:t>Web</a:t>
+            </a:r>
+            <a:r>
+              <a:rPr lang="zh-CN" altLang="en-US" dirty="0" smtClean="0"/>
+              <a:t>服务器执行（浏览器访问）</a:t>
+            </a:r>
+            <a:endParaRPr lang="zh-CN" altLang="en-US" dirty="0"/>
           </a:p>
         </p:txBody>
       </p:sp>

--- a/doc/ppt/lnmp.pptx
+++ b/doc/ppt/lnmp.pptx
@@ -12,6 +12,14 @@
     <p:sldId id="260" r:id="rId6"/>
     <p:sldId id="261" r:id="rId7"/>
     <p:sldId id="262" r:id="rId8"/>
+    <p:sldId id="263" r:id="rId9"/>
+    <p:sldId id="264" r:id="rId10"/>
+    <p:sldId id="265" r:id="rId11"/>
+    <p:sldId id="266" r:id="rId12"/>
+    <p:sldId id="267" r:id="rId13"/>
+    <p:sldId id="268" r:id="rId14"/>
+    <p:sldId id="269" r:id="rId15"/>
+    <p:sldId id="270" r:id="rId16"/>
   </p:sldIdLst>
   <p:sldSz cx="9144000" cy="6858000" type="screen4x3"/>
   <p:notesSz cx="6858000" cy="9144000"/>
@@ -110,6 +118,22 @@
       </a:defRPr>
     </a:lvl9pPr>
   </p:defaultTextStyle>
+  <p:extLst>
+    <p:ext uri="{EFAFB233-063F-42B5-8137-9DF3F51BA10A}">
+      <p15:sldGuideLst xmlns:p15="http://schemas.microsoft.com/office/powerpoint/2012/main">
+        <p15:guide id="1" orient="horz" pos="2160">
+          <p15:clr>
+            <a:srgbClr val="A4A3A4"/>
+          </p15:clr>
+        </p15:guide>
+        <p15:guide id="2" pos="2880">
+          <p15:clr>
+            <a:srgbClr val="A4A3A4"/>
+          </p15:clr>
+        </p15:guide>
+      </p15:sldGuideLst>
+    </p:ext>
+  </p:extLst>
 </p:presentation>
 </file>
 
@@ -295,7 +319,7 @@
             <a:fld id="{530820CF-B880-4189-942D-D702A7CBA730}" type="datetimeFigureOut">
               <a:rPr lang="zh-CN" altLang="en-US" smtClean="0"/>
               <a:pPr/>
-              <a:t>2017/7/26</a:t>
+              <a:t>2017/7/30</a:t>
             </a:fld>
             <a:endParaRPr lang="zh-CN" altLang="en-US"/>
           </a:p>
@@ -462,7 +486,7 @@
             <a:fld id="{530820CF-B880-4189-942D-D702A7CBA730}" type="datetimeFigureOut">
               <a:rPr lang="zh-CN" altLang="en-US" smtClean="0"/>
               <a:pPr/>
-              <a:t>2017/7/26</a:t>
+              <a:t>2017/7/30</a:t>
             </a:fld>
             <a:endParaRPr lang="zh-CN" altLang="en-US"/>
           </a:p>
@@ -639,7 +663,7 @@
             <a:fld id="{530820CF-B880-4189-942D-D702A7CBA730}" type="datetimeFigureOut">
               <a:rPr lang="zh-CN" altLang="en-US" smtClean="0"/>
               <a:pPr/>
-              <a:t>2017/7/26</a:t>
+              <a:t>2017/7/30</a:t>
             </a:fld>
             <a:endParaRPr lang="zh-CN" altLang="en-US"/>
           </a:p>
@@ -806,7 +830,7 @@
             <a:fld id="{530820CF-B880-4189-942D-D702A7CBA730}" type="datetimeFigureOut">
               <a:rPr lang="zh-CN" altLang="en-US" smtClean="0"/>
               <a:pPr/>
-              <a:t>2017/7/26</a:t>
+              <a:t>2017/7/30</a:t>
             </a:fld>
             <a:endParaRPr lang="zh-CN" altLang="en-US"/>
           </a:p>
@@ -1049,7 +1073,7 @@
             <a:fld id="{530820CF-B880-4189-942D-D702A7CBA730}" type="datetimeFigureOut">
               <a:rPr lang="zh-CN" altLang="en-US" smtClean="0"/>
               <a:pPr/>
-              <a:t>2017/7/26</a:t>
+              <a:t>2017/7/30</a:t>
             </a:fld>
             <a:endParaRPr lang="zh-CN" altLang="en-US"/>
           </a:p>
@@ -1334,7 +1358,7 @@
             <a:fld id="{530820CF-B880-4189-942D-D702A7CBA730}" type="datetimeFigureOut">
               <a:rPr lang="zh-CN" altLang="en-US" smtClean="0"/>
               <a:pPr/>
-              <a:t>2017/7/26</a:t>
+              <a:t>2017/7/30</a:t>
             </a:fld>
             <a:endParaRPr lang="zh-CN" altLang="en-US"/>
           </a:p>
@@ -1753,7 +1777,7 @@
             <a:fld id="{530820CF-B880-4189-942D-D702A7CBA730}" type="datetimeFigureOut">
               <a:rPr lang="zh-CN" altLang="en-US" smtClean="0"/>
               <a:pPr/>
-              <a:t>2017/7/26</a:t>
+              <a:t>2017/7/30</a:t>
             </a:fld>
             <a:endParaRPr lang="zh-CN" altLang="en-US"/>
           </a:p>
@@ -1868,7 +1892,7 @@
             <a:fld id="{530820CF-B880-4189-942D-D702A7CBA730}" type="datetimeFigureOut">
               <a:rPr lang="zh-CN" altLang="en-US" smtClean="0"/>
               <a:pPr/>
-              <a:t>2017/7/26</a:t>
+              <a:t>2017/7/30</a:t>
             </a:fld>
             <a:endParaRPr lang="zh-CN" altLang="en-US"/>
           </a:p>
@@ -1960,7 +1984,7 @@
             <a:fld id="{530820CF-B880-4189-942D-D702A7CBA730}" type="datetimeFigureOut">
               <a:rPr lang="zh-CN" altLang="en-US" smtClean="0"/>
               <a:pPr/>
-              <a:t>2017/7/26</a:t>
+              <a:t>2017/7/30</a:t>
             </a:fld>
             <a:endParaRPr lang="zh-CN" altLang="en-US"/>
           </a:p>
@@ -2234,7 +2258,7 @@
             <a:fld id="{530820CF-B880-4189-942D-D702A7CBA730}" type="datetimeFigureOut">
               <a:rPr lang="zh-CN" altLang="en-US" smtClean="0"/>
               <a:pPr/>
-              <a:t>2017/7/26</a:t>
+              <a:t>2017/7/30</a:t>
             </a:fld>
             <a:endParaRPr lang="zh-CN" altLang="en-US"/>
           </a:p>
@@ -2484,7 +2508,7 @@
             <a:fld id="{530820CF-B880-4189-942D-D702A7CBA730}" type="datetimeFigureOut">
               <a:rPr lang="zh-CN" altLang="en-US" smtClean="0"/>
               <a:pPr/>
-              <a:t>2017/7/26</a:t>
+              <a:t>2017/7/30</a:t>
             </a:fld>
             <a:endParaRPr lang="zh-CN" altLang="en-US"/>
           </a:p>
@@ -2694,7 +2718,7 @@
             <a:fld id="{530820CF-B880-4189-942D-D702A7CBA730}" type="datetimeFigureOut">
               <a:rPr lang="zh-CN" altLang="en-US" smtClean="0"/>
               <a:pPr/>
-              <a:t>2017/7/26</a:t>
+              <a:t>2017/7/30</a:t>
             </a:fld>
             <a:endParaRPr lang="zh-CN" altLang="en-US"/>
           </a:p>
@@ -3119,6 +3143,600 @@
 </p:sld>
 </file>
 
+<file path=ppt/slides/slide10.xml><?xml version="1.0" encoding="utf-8"?>
+<p:sld xmlns:a="http://schemas.openxmlformats.org/drawingml/2006/main" xmlns:r="http://schemas.openxmlformats.org/officeDocument/2006/relationships" xmlns:p="http://schemas.openxmlformats.org/presentationml/2006/main">
+  <p:cSld>
+    <p:spTree>
+      <p:nvGrpSpPr>
+        <p:cNvPr id="1" name=""/>
+        <p:cNvGrpSpPr/>
+        <p:nvPr/>
+      </p:nvGrpSpPr>
+      <p:grpSpPr>
+        <a:xfrm>
+          <a:off x="0" y="0"/>
+          <a:ext cx="0" cy="0"/>
+          <a:chOff x="0" y="0"/>
+          <a:chExt cx="0" cy="0"/>
+        </a:xfrm>
+      </p:grpSpPr>
+      <p:sp>
+        <p:nvSpPr>
+          <p:cNvPr id="2" name="标题 1"/>
+          <p:cNvSpPr>
+            <a:spLocks noGrp="1"/>
+          </p:cNvSpPr>
+          <p:nvPr>
+            <p:ph type="title"/>
+          </p:nvPr>
+        </p:nvSpPr>
+        <p:spPr/>
+        <p:txBody>
+          <a:bodyPr/>
+          <a:lstStyle/>
+          <a:p>
+            <a:r>
+              <a:rPr lang="zh-CN" altLang="en-US" dirty="0" smtClean="0"/>
+              <a:t>数据类型</a:t>
+            </a:r>
+            <a:endParaRPr lang="zh-CN" altLang="en-US" dirty="0"/>
+          </a:p>
+        </p:txBody>
+      </p:sp>
+      <p:sp>
+        <p:nvSpPr>
+          <p:cNvPr id="3" name="内容占位符 2"/>
+          <p:cNvSpPr>
+            <a:spLocks noGrp="1"/>
+          </p:cNvSpPr>
+          <p:nvPr>
+            <p:ph idx="1"/>
+          </p:nvPr>
+        </p:nvSpPr>
+        <p:spPr/>
+        <p:txBody>
+          <a:bodyPr/>
+          <a:lstStyle/>
+          <a:p>
+            <a:r>
+              <a:rPr lang="zh-CN" altLang="en-US" dirty="0" smtClean="0"/>
+              <a:t>字符串</a:t>
+            </a:r>
+            <a:endParaRPr lang="en-US" altLang="zh-CN" dirty="0"/>
+          </a:p>
+          <a:p>
+            <a:r>
+              <a:rPr lang="zh-CN" altLang="en-US" dirty="0" smtClean="0"/>
+              <a:t>数字</a:t>
+            </a:r>
+            <a:endParaRPr lang="en-US" altLang="zh-CN" dirty="0" smtClean="0"/>
+          </a:p>
+          <a:p>
+            <a:r>
+              <a:rPr lang="zh-CN" altLang="en-US" dirty="0" smtClean="0"/>
+              <a:t>对象</a:t>
+            </a:r>
+            <a:endParaRPr lang="en-US" altLang="zh-CN" dirty="0"/>
+          </a:p>
+          <a:p>
+            <a:r>
+              <a:rPr lang="zh-CN" altLang="en-US" dirty="0" smtClean="0"/>
+              <a:t>数组</a:t>
+            </a:r>
+            <a:endParaRPr lang="en-US" altLang="zh-CN" dirty="0" smtClean="0"/>
+          </a:p>
+          <a:p>
+            <a:r>
+              <a:rPr lang="zh-CN" altLang="en-US" dirty="0" smtClean="0"/>
+              <a:t>逻辑</a:t>
+            </a:r>
+            <a:endParaRPr lang="en-US" altLang="zh-CN" dirty="0" smtClean="0"/>
+          </a:p>
+          <a:p>
+            <a:r>
+              <a:rPr lang="en-US" altLang="zh-CN" dirty="0" smtClean="0"/>
+              <a:t>NULL</a:t>
+            </a:r>
+          </a:p>
+        </p:txBody>
+      </p:sp>
+    </p:spTree>
+    <p:extLst>
+      <p:ext uri="{BB962C8B-B14F-4D97-AF65-F5344CB8AC3E}">
+        <p14:creationId xmlns:p14="http://schemas.microsoft.com/office/powerpoint/2010/main" val="68640444"/>
+      </p:ext>
+    </p:extLst>
+  </p:cSld>
+  <p:clrMapOvr>
+    <a:masterClrMapping/>
+  </p:clrMapOvr>
+</p:sld>
+</file>
+
+<file path=ppt/slides/slide11.xml><?xml version="1.0" encoding="utf-8"?>
+<p:sld xmlns:a="http://schemas.openxmlformats.org/drawingml/2006/main" xmlns:r="http://schemas.openxmlformats.org/officeDocument/2006/relationships" xmlns:p="http://schemas.openxmlformats.org/presentationml/2006/main">
+  <p:cSld>
+    <p:spTree>
+      <p:nvGrpSpPr>
+        <p:cNvPr id="1" name=""/>
+        <p:cNvGrpSpPr/>
+        <p:nvPr/>
+      </p:nvGrpSpPr>
+      <p:grpSpPr>
+        <a:xfrm>
+          <a:off x="0" y="0"/>
+          <a:ext cx="0" cy="0"/>
+          <a:chOff x="0" y="0"/>
+          <a:chExt cx="0" cy="0"/>
+        </a:xfrm>
+      </p:grpSpPr>
+      <p:sp>
+        <p:nvSpPr>
+          <p:cNvPr id="2" name="标题 1"/>
+          <p:cNvSpPr>
+            <a:spLocks noGrp="1"/>
+          </p:cNvSpPr>
+          <p:nvPr>
+            <p:ph type="title"/>
+          </p:nvPr>
+        </p:nvSpPr>
+        <p:spPr/>
+        <p:txBody>
+          <a:bodyPr/>
+          <a:lstStyle/>
+          <a:p>
+            <a:r>
+              <a:rPr lang="zh-CN" altLang="en-US" dirty="0"/>
+              <a:t>字符串</a:t>
+            </a:r>
+          </a:p>
+        </p:txBody>
+      </p:sp>
+      <p:sp>
+        <p:nvSpPr>
+          <p:cNvPr id="3" name="内容占位符 2"/>
+          <p:cNvSpPr>
+            <a:spLocks noGrp="1"/>
+          </p:cNvSpPr>
+          <p:nvPr>
+            <p:ph idx="1"/>
+          </p:nvPr>
+        </p:nvSpPr>
+        <p:spPr/>
+        <p:txBody>
+          <a:bodyPr/>
+          <a:lstStyle/>
+          <a:p>
+            <a:r>
+              <a:rPr lang="zh-CN" altLang="en-US" dirty="0" smtClean="0"/>
+              <a:t>字符串运算</a:t>
+            </a:r>
+            <a:endParaRPr lang="en-US" altLang="zh-CN" dirty="0" smtClean="0"/>
+          </a:p>
+          <a:p>
+            <a:r>
+              <a:rPr lang="zh-CN" altLang="en-US" dirty="0" smtClean="0"/>
+              <a:t>单引号和双引号</a:t>
+            </a:r>
+            <a:endParaRPr lang="zh-CN" altLang="en-US" dirty="0"/>
+          </a:p>
+        </p:txBody>
+      </p:sp>
+    </p:spTree>
+    <p:extLst>
+      <p:ext uri="{BB962C8B-B14F-4D97-AF65-F5344CB8AC3E}">
+        <p14:creationId xmlns:p14="http://schemas.microsoft.com/office/powerpoint/2010/main" val="3486216856"/>
+      </p:ext>
+    </p:extLst>
+  </p:cSld>
+  <p:clrMapOvr>
+    <a:masterClrMapping/>
+  </p:clrMapOvr>
+</p:sld>
+</file>
+
+<file path=ppt/slides/slide12.xml><?xml version="1.0" encoding="utf-8"?>
+<p:sld xmlns:a="http://schemas.openxmlformats.org/drawingml/2006/main" xmlns:r="http://schemas.openxmlformats.org/officeDocument/2006/relationships" xmlns:p="http://schemas.openxmlformats.org/presentationml/2006/main">
+  <p:cSld>
+    <p:spTree>
+      <p:nvGrpSpPr>
+        <p:cNvPr id="1" name=""/>
+        <p:cNvGrpSpPr/>
+        <p:nvPr/>
+      </p:nvGrpSpPr>
+      <p:grpSpPr>
+        <a:xfrm>
+          <a:off x="0" y="0"/>
+          <a:ext cx="0" cy="0"/>
+          <a:chOff x="0" y="0"/>
+          <a:chExt cx="0" cy="0"/>
+        </a:xfrm>
+      </p:grpSpPr>
+      <p:sp>
+        <p:nvSpPr>
+          <p:cNvPr id="2" name="标题 1"/>
+          <p:cNvSpPr>
+            <a:spLocks noGrp="1"/>
+          </p:cNvSpPr>
+          <p:nvPr>
+            <p:ph type="title"/>
+          </p:nvPr>
+        </p:nvSpPr>
+        <p:spPr/>
+        <p:txBody>
+          <a:bodyPr/>
+          <a:lstStyle/>
+          <a:p>
+            <a:r>
+              <a:rPr lang="zh-CN" altLang="en-US" dirty="0" smtClean="0"/>
+              <a:t>运算符</a:t>
+            </a:r>
+            <a:endParaRPr lang="zh-CN" altLang="en-US" dirty="0"/>
+          </a:p>
+        </p:txBody>
+      </p:sp>
+      <p:sp>
+        <p:nvSpPr>
+          <p:cNvPr id="3" name="内容占位符 2"/>
+          <p:cNvSpPr>
+            <a:spLocks noGrp="1"/>
+          </p:cNvSpPr>
+          <p:nvPr>
+            <p:ph idx="1"/>
+          </p:nvPr>
+        </p:nvSpPr>
+        <p:spPr/>
+        <p:txBody>
+          <a:bodyPr/>
+          <a:lstStyle/>
+          <a:p>
+            <a:r>
+              <a:rPr lang="en-US" altLang="zh-CN" dirty="0" smtClean="0"/>
+              <a:t>+</a:t>
+            </a:r>
+          </a:p>
+          <a:p>
+            <a:r>
+              <a:rPr lang="en-US" altLang="zh-CN" dirty="0" smtClean="0"/>
+              <a:t>-</a:t>
+            </a:r>
+          </a:p>
+          <a:p>
+            <a:r>
+              <a:rPr lang="en-US" altLang="zh-CN" dirty="0" smtClean="0"/>
+              <a:t>*</a:t>
+            </a:r>
+          </a:p>
+          <a:p>
+            <a:r>
+              <a:rPr lang="en-US" altLang="zh-CN" dirty="0" smtClean="0"/>
+              <a:t>/</a:t>
+            </a:r>
+          </a:p>
+          <a:p>
+            <a:r>
+              <a:rPr lang="en-US" altLang="zh-CN" dirty="0"/>
+              <a:t>%</a:t>
+            </a:r>
+            <a:endParaRPr lang="zh-CN" altLang="en-US" dirty="0"/>
+          </a:p>
+        </p:txBody>
+      </p:sp>
+    </p:spTree>
+    <p:extLst>
+      <p:ext uri="{BB962C8B-B14F-4D97-AF65-F5344CB8AC3E}">
+        <p14:creationId xmlns:p14="http://schemas.microsoft.com/office/powerpoint/2010/main" val="2183561229"/>
+      </p:ext>
+    </p:extLst>
+  </p:cSld>
+  <p:clrMapOvr>
+    <a:masterClrMapping/>
+  </p:clrMapOvr>
+</p:sld>
+</file>
+
+<file path=ppt/slides/slide13.xml><?xml version="1.0" encoding="utf-8"?>
+<p:sld xmlns:a="http://schemas.openxmlformats.org/drawingml/2006/main" xmlns:r="http://schemas.openxmlformats.org/officeDocument/2006/relationships" xmlns:p="http://schemas.openxmlformats.org/presentationml/2006/main">
+  <p:cSld>
+    <p:spTree>
+      <p:nvGrpSpPr>
+        <p:cNvPr id="1" name=""/>
+        <p:cNvGrpSpPr/>
+        <p:nvPr/>
+      </p:nvGrpSpPr>
+      <p:grpSpPr>
+        <a:xfrm>
+          <a:off x="0" y="0"/>
+          <a:ext cx="0" cy="0"/>
+          <a:chOff x="0" y="0"/>
+          <a:chExt cx="0" cy="0"/>
+        </a:xfrm>
+      </p:grpSpPr>
+      <p:sp>
+        <p:nvSpPr>
+          <p:cNvPr id="2" name="标题 1"/>
+          <p:cNvSpPr>
+            <a:spLocks noGrp="1"/>
+          </p:cNvSpPr>
+          <p:nvPr>
+            <p:ph type="title"/>
+          </p:nvPr>
+        </p:nvSpPr>
+        <p:spPr/>
+        <p:txBody>
+          <a:bodyPr/>
+          <a:lstStyle/>
+          <a:p>
+            <a:r>
+              <a:rPr lang="zh-CN" altLang="en-US" dirty="0" smtClean="0"/>
+              <a:t>流程控制</a:t>
+            </a:r>
+            <a:endParaRPr lang="zh-CN" altLang="en-US" dirty="0"/>
+          </a:p>
+        </p:txBody>
+      </p:sp>
+      <p:sp>
+        <p:nvSpPr>
+          <p:cNvPr id="3" name="内容占位符 2"/>
+          <p:cNvSpPr>
+            <a:spLocks noGrp="1"/>
+          </p:cNvSpPr>
+          <p:nvPr>
+            <p:ph idx="1"/>
+          </p:nvPr>
+        </p:nvSpPr>
+        <p:spPr/>
+        <p:txBody>
+          <a:bodyPr/>
+          <a:lstStyle/>
+          <a:p>
+            <a:r>
+              <a:rPr lang="en-US" altLang="zh-CN" dirty="0" smtClean="0"/>
+              <a:t>If else</a:t>
+            </a:r>
+          </a:p>
+          <a:p>
+            <a:r>
+              <a:rPr lang="en-US" altLang="zh-CN" dirty="0" smtClean="0"/>
+              <a:t>Switch</a:t>
+            </a:r>
+          </a:p>
+          <a:p>
+            <a:r>
+              <a:rPr lang="en-US" altLang="zh-CN" dirty="0" smtClean="0"/>
+              <a:t>While</a:t>
+            </a:r>
+          </a:p>
+          <a:p>
+            <a:r>
+              <a:rPr lang="en-US" altLang="zh-CN" dirty="0" smtClean="0"/>
+              <a:t>Do while</a:t>
+            </a:r>
+          </a:p>
+          <a:p>
+            <a:r>
+              <a:rPr lang="en-US" altLang="zh-CN" dirty="0" smtClean="0"/>
+              <a:t>For</a:t>
+            </a:r>
+          </a:p>
+          <a:p>
+            <a:r>
+              <a:rPr lang="en-US" altLang="zh-CN" dirty="0" err="1" smtClean="0"/>
+              <a:t>foreach</a:t>
+            </a:r>
+            <a:endParaRPr lang="zh-CN" altLang="en-US" dirty="0"/>
+          </a:p>
+        </p:txBody>
+      </p:sp>
+    </p:spTree>
+    <p:extLst>
+      <p:ext uri="{BB962C8B-B14F-4D97-AF65-F5344CB8AC3E}">
+        <p14:creationId xmlns:p14="http://schemas.microsoft.com/office/powerpoint/2010/main" val="3735239740"/>
+      </p:ext>
+    </p:extLst>
+  </p:cSld>
+  <p:clrMapOvr>
+    <a:masterClrMapping/>
+  </p:clrMapOvr>
+</p:sld>
+</file>
+
+<file path=ppt/slides/slide14.xml><?xml version="1.0" encoding="utf-8"?>
+<p:sld xmlns:a="http://schemas.openxmlformats.org/drawingml/2006/main" xmlns:r="http://schemas.openxmlformats.org/officeDocument/2006/relationships" xmlns:p="http://schemas.openxmlformats.org/presentationml/2006/main">
+  <p:cSld>
+    <p:spTree>
+      <p:nvGrpSpPr>
+        <p:cNvPr id="1" name=""/>
+        <p:cNvGrpSpPr/>
+        <p:nvPr/>
+      </p:nvGrpSpPr>
+      <p:grpSpPr>
+        <a:xfrm>
+          <a:off x="0" y="0"/>
+          <a:ext cx="0" cy="0"/>
+          <a:chOff x="0" y="0"/>
+          <a:chExt cx="0" cy="0"/>
+        </a:xfrm>
+      </p:grpSpPr>
+      <p:sp>
+        <p:nvSpPr>
+          <p:cNvPr id="2" name="标题 1"/>
+          <p:cNvSpPr>
+            <a:spLocks noGrp="1"/>
+          </p:cNvSpPr>
+          <p:nvPr>
+            <p:ph type="title"/>
+          </p:nvPr>
+        </p:nvSpPr>
+        <p:spPr/>
+        <p:txBody>
+          <a:bodyPr/>
+          <a:lstStyle/>
+          <a:p>
+            <a:r>
+              <a:rPr lang="zh-CN" altLang="en-US" dirty="0" smtClean="0"/>
+              <a:t>数组</a:t>
+            </a:r>
+            <a:endParaRPr lang="zh-CN" altLang="en-US" dirty="0"/>
+          </a:p>
+        </p:txBody>
+      </p:sp>
+      <p:sp>
+        <p:nvSpPr>
+          <p:cNvPr id="3" name="内容占位符 2"/>
+          <p:cNvSpPr>
+            <a:spLocks noGrp="1"/>
+          </p:cNvSpPr>
+          <p:nvPr>
+            <p:ph idx="1"/>
+          </p:nvPr>
+        </p:nvSpPr>
+        <p:spPr/>
+        <p:txBody>
+          <a:bodyPr/>
+          <a:lstStyle/>
+          <a:p>
+            <a:r>
+              <a:rPr lang="zh-CN" altLang="en-US" dirty="0" smtClean="0"/>
+              <a:t>数组长度  </a:t>
+            </a:r>
+            <a:r>
+              <a:rPr lang="en-US" altLang="zh-CN" dirty="0" smtClean="0"/>
+              <a:t>count()</a:t>
+            </a:r>
+          </a:p>
+          <a:p>
+            <a:r>
+              <a:rPr lang="zh-CN" altLang="en-US" dirty="0" smtClean="0"/>
+              <a:t>关联数组 </a:t>
+            </a:r>
+            <a:endParaRPr lang="en-US" altLang="zh-CN" dirty="0" smtClean="0"/>
+          </a:p>
+          <a:p>
+            <a:r>
+              <a:rPr lang="zh-CN" altLang="en-US" dirty="0" smtClean="0"/>
+              <a:t>遍历数组</a:t>
+            </a:r>
+            <a:endParaRPr lang="zh-CN" altLang="en-US" dirty="0"/>
+          </a:p>
+        </p:txBody>
+      </p:sp>
+    </p:spTree>
+    <p:extLst>
+      <p:ext uri="{BB962C8B-B14F-4D97-AF65-F5344CB8AC3E}">
+        <p14:creationId xmlns:p14="http://schemas.microsoft.com/office/powerpoint/2010/main" val="2567013607"/>
+      </p:ext>
+    </p:extLst>
+  </p:cSld>
+  <p:clrMapOvr>
+    <a:masterClrMapping/>
+  </p:clrMapOvr>
+</p:sld>
+</file>
+
+<file path=ppt/slides/slide15.xml><?xml version="1.0" encoding="utf-8"?>
+<p:sld xmlns:a="http://schemas.openxmlformats.org/drawingml/2006/main" xmlns:r="http://schemas.openxmlformats.org/officeDocument/2006/relationships" xmlns:p="http://schemas.openxmlformats.org/presentationml/2006/main">
+  <p:cSld>
+    <p:spTree>
+      <p:nvGrpSpPr>
+        <p:cNvPr id="1" name=""/>
+        <p:cNvGrpSpPr/>
+        <p:nvPr/>
+      </p:nvGrpSpPr>
+      <p:grpSpPr>
+        <a:xfrm>
+          <a:off x="0" y="0"/>
+          <a:ext cx="0" cy="0"/>
+          <a:chOff x="0" y="0"/>
+          <a:chExt cx="0" cy="0"/>
+        </a:xfrm>
+      </p:grpSpPr>
+      <p:sp>
+        <p:nvSpPr>
+          <p:cNvPr id="2" name="标题 1"/>
+          <p:cNvSpPr>
+            <a:spLocks noGrp="1"/>
+          </p:cNvSpPr>
+          <p:nvPr>
+            <p:ph type="title"/>
+          </p:nvPr>
+        </p:nvSpPr>
+        <p:spPr/>
+        <p:txBody>
+          <a:bodyPr/>
+          <a:lstStyle/>
+          <a:p>
+            <a:r>
+              <a:rPr lang="zh-CN" altLang="en-US" dirty="0" smtClean="0"/>
+              <a:t>对象</a:t>
+            </a:r>
+            <a:endParaRPr lang="zh-CN" altLang="en-US" dirty="0"/>
+          </a:p>
+        </p:txBody>
+      </p:sp>
+      <p:sp>
+        <p:nvSpPr>
+          <p:cNvPr id="3" name="内容占位符 2"/>
+          <p:cNvSpPr>
+            <a:spLocks noGrp="1"/>
+          </p:cNvSpPr>
+          <p:nvPr>
+            <p:ph idx="1"/>
+          </p:nvPr>
+        </p:nvSpPr>
+        <p:spPr/>
+        <p:txBody>
+          <a:bodyPr/>
+          <a:lstStyle/>
+          <a:p>
+            <a:r>
+              <a:rPr lang="zh-CN" altLang="en-US" dirty="0" smtClean="0"/>
+              <a:t>对象访问控制</a:t>
+            </a:r>
+            <a:endParaRPr lang="en-US" altLang="zh-CN" dirty="0" smtClean="0"/>
+          </a:p>
+          <a:p>
+            <a:r>
+              <a:rPr lang="zh-CN" altLang="en-US" dirty="0" smtClean="0"/>
+              <a:t>对象创建</a:t>
+            </a:r>
+            <a:endParaRPr lang="en-US" altLang="zh-CN" dirty="0" smtClean="0"/>
+          </a:p>
+          <a:p>
+            <a:r>
+              <a:rPr lang="zh-CN" altLang="en-US" dirty="0" smtClean="0"/>
+              <a:t>静态成员方法</a:t>
+            </a:r>
+            <a:endParaRPr lang="en-US" altLang="zh-CN" dirty="0" smtClean="0"/>
+          </a:p>
+          <a:p>
+            <a:r>
+              <a:rPr lang="zh-CN" altLang="en-US" dirty="0" smtClean="0"/>
+              <a:t>静态成员变量</a:t>
+            </a:r>
+            <a:endParaRPr lang="en-US" altLang="zh-CN" dirty="0" smtClean="0"/>
+          </a:p>
+          <a:p>
+            <a:r>
+              <a:rPr lang="zh-CN" altLang="en-US" dirty="0"/>
+              <a:t>继承</a:t>
+            </a:r>
+          </a:p>
+        </p:txBody>
+      </p:sp>
+    </p:spTree>
+    <p:extLst>
+      <p:ext uri="{BB962C8B-B14F-4D97-AF65-F5344CB8AC3E}">
+        <p14:creationId xmlns:p14="http://schemas.microsoft.com/office/powerpoint/2010/main" val="400179213"/>
+      </p:ext>
+    </p:extLst>
+  </p:cSld>
+  <p:clrMapOvr>
+    <a:masterClrMapping/>
+  </p:clrMapOvr>
+</p:sld>
+</file>
+
 <file path=ppt/slides/slide2.xml><?xml version="1.0" encoding="utf-8"?>
 <p:sld xmlns:a="http://schemas.openxmlformats.org/drawingml/2006/main" xmlns:r="http://schemas.openxmlformats.org/officeDocument/2006/relationships" xmlns:p="http://schemas.openxmlformats.org/presentationml/2006/main">
   <p:cSld>
@@ -3234,7 +3852,6 @@
               <a:rPr lang="en-US" altLang="zh-CN" sz="1600" dirty="0" smtClean="0"/>
               <a:t>PHP</a:t>
             </a:r>
-            <a:endParaRPr lang="en-US" altLang="zh-CN" sz="1600" dirty="0" smtClean="0"/>
           </a:p>
           <a:p>
             <a:r>
@@ -3363,11 +3980,7 @@
             </a:r>
             <a:r>
               <a:rPr lang="en-US" altLang="zh-CN" sz="2000" dirty="0" smtClean="0"/>
-              <a:t>Centos </a:t>
-            </a:r>
-            <a:r>
-              <a:rPr lang="en-US" altLang="zh-CN" sz="2000" dirty="0" smtClean="0"/>
-              <a:t>7.2</a:t>
+              <a:t>Centos 7.2</a:t>
             </a:r>
           </a:p>
           <a:p>
@@ -3385,11 +3998,7 @@
             <a:pPr lvl="1"/>
             <a:r>
               <a:rPr lang="zh-CN" altLang="en-US" sz="1600" dirty="0" smtClean="0"/>
-              <a:t>文件目录跳</a:t>
-            </a:r>
-            <a:r>
-              <a:rPr lang="zh-CN" altLang="en-US" sz="1600" dirty="0" smtClean="0"/>
-              <a:t>转 </a:t>
+              <a:t>文件目录跳转 </a:t>
             </a:r>
             <a:r>
               <a:rPr lang="en-US" altLang="zh-CN" sz="1600" dirty="0" err="1" smtClean="0"/>
@@ -3404,11 +4013,7 @@
             <a:pPr lvl="1"/>
             <a:r>
               <a:rPr lang="zh-CN" altLang="en-US" sz="1600" dirty="0" smtClean="0"/>
-              <a:t>目录</a:t>
-            </a:r>
-            <a:r>
-              <a:rPr lang="zh-CN" altLang="en-US" sz="1600" dirty="0" smtClean="0"/>
-              <a:t>信息 </a:t>
+              <a:t>目录信息 </a:t>
             </a:r>
             <a:r>
               <a:rPr lang="en-US" altLang="zh-CN" sz="1600" dirty="0" err="1" smtClean="0"/>
@@ -3432,11 +4037,7 @@
             <a:pPr lvl="1"/>
             <a:r>
               <a:rPr lang="zh-CN" altLang="en-US" sz="1600" dirty="0" smtClean="0"/>
-              <a:t>文件操作</a:t>
-            </a:r>
-            <a:r>
-              <a:rPr lang="zh-CN" altLang="en-US" sz="1600" dirty="0" smtClean="0"/>
-              <a:t>命令 </a:t>
+              <a:t>文件操作命令 </a:t>
             </a:r>
             <a:r>
               <a:rPr lang="en-US" altLang="zh-CN" sz="1600" dirty="0" err="1" smtClean="0"/>
@@ -3462,17 +4063,12 @@
               <a:rPr lang="en-US" altLang="zh-CN" sz="1600" dirty="0" smtClean="0"/>
               <a:t> touch</a:t>
             </a:r>
-            <a:endParaRPr lang="en-US" altLang="zh-CN" sz="1600" dirty="0" smtClean="0"/>
           </a:p>
           <a:p>
             <a:pPr lvl="1"/>
             <a:r>
               <a:rPr lang="zh-CN" altLang="en-US" sz="1600" dirty="0" smtClean="0"/>
-              <a:t>复制</a:t>
-            </a:r>
-            <a:r>
-              <a:rPr lang="zh-CN" altLang="en-US" sz="1600" dirty="0" smtClean="0"/>
-              <a:t>命令 </a:t>
+              <a:t>复制命令 </a:t>
             </a:r>
             <a:r>
               <a:rPr lang="en-US" altLang="zh-CN" sz="1600" dirty="0" smtClean="0"/>
@@ -3483,11 +4079,7 @@
             <a:pPr lvl="1"/>
             <a:r>
               <a:rPr lang="zh-CN" altLang="en-US" sz="1600" dirty="0" smtClean="0"/>
-              <a:t>查看文件</a:t>
-            </a:r>
-            <a:r>
-              <a:rPr lang="zh-CN" altLang="en-US" sz="1600" dirty="0" smtClean="0"/>
-              <a:t>内容 </a:t>
+              <a:t>查看文件内容 </a:t>
             </a:r>
             <a:r>
               <a:rPr lang="en-US" altLang="zh-CN" sz="1600" dirty="0" smtClean="0"/>
@@ -3499,11 +4091,7 @@
             </a:r>
             <a:r>
               <a:rPr lang="en-US" altLang="zh-CN" sz="1600" dirty="0" smtClean="0"/>
-              <a:t> </a:t>
-            </a:r>
-            <a:r>
-              <a:rPr lang="en-US" altLang="zh-CN" sz="1600" dirty="0" smtClean="0"/>
-              <a:t>tail</a:t>
+              <a:t> tail</a:t>
             </a:r>
           </a:p>
           <a:p>
@@ -3521,11 +4109,7 @@
             <a:pPr lvl="1"/>
             <a:r>
               <a:rPr lang="zh-CN" altLang="en-US" sz="1600" dirty="0" smtClean="0"/>
-              <a:t>压缩和解</a:t>
-            </a:r>
-            <a:r>
-              <a:rPr lang="zh-CN" altLang="en-US" sz="1600" dirty="0" smtClean="0"/>
-              <a:t>压缩  </a:t>
+              <a:t>压缩和解压缩  </a:t>
             </a:r>
             <a:r>
               <a:rPr lang="en-US" altLang="zh-CN" sz="1600" dirty="0" smtClean="0"/>
@@ -3541,11 +4125,7 @@
             <a:pPr lvl="1"/>
             <a:r>
               <a:rPr lang="zh-CN" altLang="en-US" sz="1600" dirty="0" smtClean="0"/>
-              <a:t>包</a:t>
-            </a:r>
-            <a:r>
-              <a:rPr lang="zh-CN" altLang="en-US" sz="1600" dirty="0" smtClean="0"/>
-              <a:t>管理器  </a:t>
+              <a:t>包管理器  </a:t>
             </a:r>
             <a:r>
               <a:rPr lang="en-US" altLang="zh-CN" sz="1600" dirty="0" smtClean="0"/>
@@ -3632,7 +4212,7 @@
           <a:p>
             <a:r>
               <a:rPr lang="en-US" altLang="zh-CN" dirty="0" err="1" smtClean="0"/>
-              <a:t>WebStorm</a:t>
+              <a:t>phpStorm</a:t>
             </a:r>
             <a:endParaRPr lang="zh-CN" altLang="en-US" dirty="0"/>
           </a:p>
@@ -3932,12 +4512,16 @@
               <a:t>，</a:t>
             </a:r>
             <a:r>
-              <a:rPr lang="en-US" altLang="zh-CN" sz="1800" dirty="0" smtClean="0"/>
-              <a:t>443</a:t>
+              <a:rPr lang="en-US" altLang="zh-CN" sz="1800" smtClean="0"/>
+              <a:t>443, 3306</a:t>
+            </a:r>
+            <a:r>
+              <a:rPr lang="zh-CN" altLang="en-US" sz="1800" smtClean="0"/>
+              <a:t>端口</a:t>
             </a:r>
             <a:r>
               <a:rPr lang="zh-CN" altLang="en-US" sz="1800" dirty="0" smtClean="0"/>
-              <a:t>端口。端口类似于通道，一个应用占用一个或多个通道，用户通过通道来访问应用。</a:t>
+              <a:t>。端口类似于通道，一个应用占用一个或多个通道，用户通过通道来访问应用。</a:t>
             </a:r>
             <a:endParaRPr lang="en-US" altLang="zh-CN" sz="1800" dirty="0" smtClean="0"/>
           </a:p>
@@ -4082,11 +4666,448 @@
               <a:rPr lang="zh-CN" altLang="en-US" dirty="0" smtClean="0"/>
               <a:t>服务器执行（浏览器访问）</a:t>
             </a:r>
+            <a:endParaRPr lang="en-US" altLang="zh-CN" dirty="0" smtClean="0"/>
+          </a:p>
+          <a:p>
+            <a:pPr lvl="1"/>
+            <a:r>
+              <a:rPr lang="zh-CN" altLang="en-US" dirty="0" smtClean="0"/>
+              <a:t>通常使用</a:t>
+            </a:r>
+            <a:r>
+              <a:rPr lang="en-US" altLang="zh-CN" dirty="0" err="1" smtClean="0"/>
+              <a:t>php</a:t>
+            </a:r>
+            <a:r>
+              <a:rPr lang="zh-CN" altLang="en-US" dirty="0" smtClean="0"/>
+              <a:t>与</a:t>
+            </a:r>
+            <a:r>
+              <a:rPr lang="en-US" altLang="zh-CN" dirty="0" smtClean="0"/>
+              <a:t>html</a:t>
+            </a:r>
+            <a:r>
+              <a:rPr lang="zh-CN" altLang="en-US" dirty="0" smtClean="0"/>
+              <a:t>混写的方式开发</a:t>
+            </a:r>
+            <a:r>
+              <a:rPr lang="en-US" altLang="zh-CN" dirty="0" smtClean="0"/>
+              <a:t>web</a:t>
+            </a:r>
+            <a:r>
+              <a:rPr lang="zh-CN" altLang="en-US" dirty="0" smtClean="0"/>
+              <a:t>页面</a:t>
+            </a:r>
+            <a:endParaRPr lang="en-US" altLang="zh-CN" dirty="0" smtClean="0"/>
+          </a:p>
+          <a:p>
+            <a:pPr lvl="1"/>
+            <a:r>
+              <a:rPr lang="zh-CN" altLang="en-US" dirty="0" smtClean="0"/>
+              <a:t>也有使用</a:t>
+            </a:r>
+            <a:r>
+              <a:rPr lang="en-US" altLang="zh-CN" dirty="0" err="1" smtClean="0"/>
+              <a:t>php</a:t>
+            </a:r>
+            <a:r>
+              <a:rPr lang="zh-CN" altLang="en-US" dirty="0" smtClean="0"/>
+              <a:t>作为后端语言开发服务</a:t>
+            </a:r>
+            <a:r>
+              <a:rPr lang="en-US" altLang="zh-CN" dirty="0" smtClean="0"/>
+              <a:t>(</a:t>
+            </a:r>
+            <a:r>
+              <a:rPr lang="en-US" altLang="zh-CN" dirty="0" err="1" smtClean="0"/>
+              <a:t>mvc</a:t>
+            </a:r>
+            <a:r>
+              <a:rPr lang="zh-CN" altLang="en-US" dirty="0" smtClean="0"/>
+              <a:t>或</a:t>
+            </a:r>
+            <a:r>
+              <a:rPr lang="zh-CN" altLang="en-US" dirty="0"/>
+              <a:t>前</a:t>
+            </a:r>
+            <a:r>
+              <a:rPr lang="zh-CN" altLang="en-US" dirty="0" smtClean="0"/>
+              <a:t>后端分离</a:t>
+            </a:r>
+            <a:r>
+              <a:rPr lang="en-US" altLang="zh-CN" dirty="0" smtClean="0"/>
+              <a:t>)</a:t>
+            </a:r>
+          </a:p>
+          <a:p>
+            <a:pPr lvl="1"/>
+            <a:r>
+              <a:rPr lang="zh-CN" altLang="en-US" dirty="0" smtClean="0"/>
+              <a:t>总的来说，</a:t>
+            </a:r>
+            <a:r>
+              <a:rPr lang="en-US" altLang="zh-CN" dirty="0" err="1" smtClean="0"/>
+              <a:t>php</a:t>
+            </a:r>
+            <a:r>
+              <a:rPr lang="zh-CN" altLang="en-US" dirty="0" smtClean="0"/>
+              <a:t>是用来输出文本内容的</a:t>
+            </a:r>
+            <a:endParaRPr lang="en-US" altLang="zh-CN" dirty="0" smtClean="0"/>
+          </a:p>
+          <a:p>
             <a:endParaRPr lang="zh-CN" altLang="en-US" dirty="0"/>
           </a:p>
         </p:txBody>
       </p:sp>
     </p:spTree>
+  </p:cSld>
+  <p:clrMapOvr>
+    <a:masterClrMapping/>
+  </p:clrMapOvr>
+</p:sld>
+</file>
+
+<file path=ppt/slides/slide8.xml><?xml version="1.0" encoding="utf-8"?>
+<p:sld xmlns:a="http://schemas.openxmlformats.org/drawingml/2006/main" xmlns:r="http://schemas.openxmlformats.org/officeDocument/2006/relationships" xmlns:p="http://schemas.openxmlformats.org/presentationml/2006/main">
+  <p:cSld>
+    <p:spTree>
+      <p:nvGrpSpPr>
+        <p:cNvPr id="1" name=""/>
+        <p:cNvGrpSpPr/>
+        <p:nvPr/>
+      </p:nvGrpSpPr>
+      <p:grpSpPr>
+        <a:xfrm>
+          <a:off x="0" y="0"/>
+          <a:ext cx="0" cy="0"/>
+          <a:chOff x="0" y="0"/>
+          <a:chExt cx="0" cy="0"/>
+        </a:xfrm>
+      </p:grpSpPr>
+      <p:sp>
+        <p:nvSpPr>
+          <p:cNvPr id="2" name="标题 1"/>
+          <p:cNvSpPr>
+            <a:spLocks noGrp="1"/>
+          </p:cNvSpPr>
+          <p:nvPr>
+            <p:ph type="title"/>
+          </p:nvPr>
+        </p:nvSpPr>
+        <p:spPr/>
+        <p:txBody>
+          <a:bodyPr/>
+          <a:lstStyle/>
+          <a:p>
+            <a:r>
+              <a:rPr lang="en-US" altLang="zh-CN" dirty="0" err="1" smtClean="0"/>
+              <a:t>Php</a:t>
+            </a:r>
+            <a:r>
+              <a:rPr lang="zh-CN" altLang="en-US" dirty="0" smtClean="0"/>
+              <a:t>语法</a:t>
+            </a:r>
+            <a:endParaRPr lang="zh-CN" altLang="en-US" dirty="0"/>
+          </a:p>
+        </p:txBody>
+      </p:sp>
+      <p:sp>
+        <p:nvSpPr>
+          <p:cNvPr id="3" name="内容占位符 2"/>
+          <p:cNvSpPr>
+            <a:spLocks noGrp="1"/>
+          </p:cNvSpPr>
+          <p:nvPr>
+            <p:ph idx="1"/>
+          </p:nvPr>
+        </p:nvSpPr>
+        <p:spPr/>
+        <p:txBody>
+          <a:bodyPr/>
+          <a:lstStyle/>
+          <a:p>
+            <a:r>
+              <a:rPr lang="zh-CN" altLang="en-US" dirty="0" smtClean="0"/>
+              <a:t>每一行语句最后需要加上分号</a:t>
+            </a:r>
+            <a:endParaRPr lang="en-US" altLang="zh-CN" dirty="0" smtClean="0"/>
+          </a:p>
+          <a:p>
+            <a:r>
+              <a:rPr lang="zh-CN" altLang="en-US" dirty="0" smtClean="0"/>
+              <a:t>使用</a:t>
+            </a:r>
+            <a:r>
+              <a:rPr lang="en-US" altLang="zh-CN" dirty="0" smtClean="0"/>
+              <a:t>echo</a:t>
+            </a:r>
+            <a:r>
+              <a:rPr lang="zh-CN" altLang="en-US" dirty="0" smtClean="0"/>
+              <a:t>输出字符串</a:t>
+            </a:r>
+            <a:endParaRPr lang="en-US" altLang="zh-CN" dirty="0" smtClean="0"/>
+          </a:p>
+          <a:p>
+            <a:r>
+              <a:rPr lang="zh-CN" altLang="en-US" dirty="0" smtClean="0"/>
+              <a:t>脚本语言按顺序执行</a:t>
+            </a:r>
+            <a:endParaRPr lang="en-US" altLang="zh-CN" dirty="0" smtClean="0"/>
+          </a:p>
+          <a:p>
+            <a:r>
+              <a:rPr lang="zh-CN" altLang="en-US" dirty="0" smtClean="0"/>
+              <a:t>脚本文件之间可以互相导入</a:t>
+            </a:r>
+            <a:endParaRPr lang="en-US" altLang="zh-CN" dirty="0" smtClean="0"/>
+          </a:p>
+          <a:p>
+            <a:r>
+              <a:rPr lang="en-US" altLang="zh-CN" dirty="0" err="1" smtClean="0"/>
+              <a:t>Php</a:t>
+            </a:r>
+            <a:r>
+              <a:rPr lang="zh-CN" altLang="en-US" dirty="0" smtClean="0"/>
+              <a:t>文件不限制文件后缀名，都可以运行</a:t>
+            </a:r>
+            <a:endParaRPr lang="en-US" altLang="zh-CN" dirty="0" smtClean="0"/>
+          </a:p>
+          <a:p>
+            <a:r>
+              <a:rPr lang="en-US" altLang="zh-CN" dirty="0" err="1" smtClean="0"/>
+              <a:t>Php</a:t>
+            </a:r>
+            <a:r>
+              <a:rPr lang="zh-CN" altLang="en-US" dirty="0" smtClean="0"/>
+              <a:t>脚本以 </a:t>
+            </a:r>
+            <a:r>
+              <a:rPr lang="en-US" altLang="zh-CN" dirty="0" smtClean="0"/>
+              <a:t>&lt;?</a:t>
+            </a:r>
+            <a:r>
+              <a:rPr lang="en-US" altLang="zh-CN" dirty="0" err="1" smtClean="0"/>
+              <a:t>php</a:t>
+            </a:r>
+            <a:r>
+              <a:rPr lang="en-US" altLang="zh-CN" dirty="0" smtClean="0"/>
+              <a:t>  </a:t>
+            </a:r>
+            <a:r>
+              <a:rPr lang="zh-CN" altLang="en-US" dirty="0" smtClean="0"/>
+              <a:t>代码 </a:t>
+            </a:r>
+            <a:r>
+              <a:rPr lang="en-US" altLang="zh-CN" dirty="0" smtClean="0"/>
+              <a:t>?&gt; </a:t>
+            </a:r>
+            <a:r>
+              <a:rPr lang="zh-CN" altLang="en-US" dirty="0" smtClean="0"/>
+              <a:t>形式编写</a:t>
+            </a:r>
+            <a:endParaRPr lang="en-US" altLang="zh-CN" dirty="0" smtClean="0"/>
+          </a:p>
+          <a:p>
+            <a:r>
+              <a:rPr lang="zh-CN" altLang="en-US" dirty="0" smtClean="0"/>
+              <a:t>代码注释</a:t>
+            </a:r>
+            <a:endParaRPr lang="zh-CN" altLang="en-US" dirty="0"/>
+          </a:p>
+        </p:txBody>
+      </p:sp>
+    </p:spTree>
+    <p:extLst>
+      <p:ext uri="{BB962C8B-B14F-4D97-AF65-F5344CB8AC3E}">
+        <p14:creationId xmlns:p14="http://schemas.microsoft.com/office/powerpoint/2010/main" val="582836597"/>
+      </p:ext>
+    </p:extLst>
+  </p:cSld>
+  <p:clrMapOvr>
+    <a:masterClrMapping/>
+  </p:clrMapOvr>
+</p:sld>
+</file>
+
+<file path=ppt/slides/slide9.xml><?xml version="1.0" encoding="utf-8"?>
+<p:sld xmlns:a="http://schemas.openxmlformats.org/drawingml/2006/main" xmlns:r="http://schemas.openxmlformats.org/officeDocument/2006/relationships" xmlns:p="http://schemas.openxmlformats.org/presentationml/2006/main">
+  <p:cSld>
+    <p:spTree>
+      <p:nvGrpSpPr>
+        <p:cNvPr id="1" name=""/>
+        <p:cNvGrpSpPr/>
+        <p:nvPr/>
+      </p:nvGrpSpPr>
+      <p:grpSpPr>
+        <a:xfrm>
+          <a:off x="0" y="0"/>
+          <a:ext cx="0" cy="0"/>
+          <a:chOff x="0" y="0"/>
+          <a:chExt cx="0" cy="0"/>
+        </a:xfrm>
+      </p:grpSpPr>
+      <p:sp>
+        <p:nvSpPr>
+          <p:cNvPr id="2" name="标题 1"/>
+          <p:cNvSpPr>
+            <a:spLocks noGrp="1"/>
+          </p:cNvSpPr>
+          <p:nvPr>
+            <p:ph type="title"/>
+          </p:nvPr>
+        </p:nvSpPr>
+        <p:spPr/>
+        <p:txBody>
+          <a:bodyPr/>
+          <a:lstStyle/>
+          <a:p>
+            <a:r>
+              <a:rPr lang="en-US" altLang="zh-CN" dirty="0" err="1" smtClean="0"/>
+              <a:t>Php</a:t>
+            </a:r>
+            <a:r>
+              <a:rPr lang="zh-CN" altLang="en-US" dirty="0" smtClean="0"/>
+              <a:t>变量</a:t>
+            </a:r>
+            <a:endParaRPr lang="zh-CN" altLang="en-US" dirty="0"/>
+          </a:p>
+        </p:txBody>
+      </p:sp>
+      <p:sp>
+        <p:nvSpPr>
+          <p:cNvPr id="3" name="内容占位符 2"/>
+          <p:cNvSpPr>
+            <a:spLocks noGrp="1"/>
+          </p:cNvSpPr>
+          <p:nvPr>
+            <p:ph idx="1"/>
+          </p:nvPr>
+        </p:nvSpPr>
+        <p:spPr/>
+        <p:txBody>
+          <a:bodyPr/>
+          <a:lstStyle/>
+          <a:p>
+            <a:r>
+              <a:rPr lang="zh-CN" altLang="en-US" dirty="0" smtClean="0"/>
+              <a:t>函数、类和关键词不区分大小写</a:t>
+            </a:r>
+            <a:endParaRPr lang="en-US" altLang="zh-CN" dirty="0" smtClean="0"/>
+          </a:p>
+          <a:p>
+            <a:pPr lvl="1"/>
+            <a:r>
+              <a:rPr lang="en-US" altLang="zh-CN" dirty="0" smtClean="0"/>
+              <a:t>Echo</a:t>
+            </a:r>
+            <a:r>
+              <a:rPr lang="zh-CN" altLang="en-US" dirty="0" smtClean="0"/>
+              <a:t>、</a:t>
+            </a:r>
+            <a:r>
+              <a:rPr lang="en-US" altLang="zh-CN" dirty="0" smtClean="0"/>
+              <a:t>echo</a:t>
+            </a:r>
+            <a:r>
+              <a:rPr lang="zh-CN" altLang="en-US" dirty="0" smtClean="0"/>
+              <a:t>、</a:t>
+            </a:r>
+            <a:r>
+              <a:rPr lang="en-US" altLang="zh-CN" dirty="0" smtClean="0"/>
+              <a:t>ECHO</a:t>
+            </a:r>
+            <a:r>
+              <a:rPr lang="zh-CN" altLang="en-US" dirty="0" smtClean="0"/>
+              <a:t>一样使用</a:t>
+            </a:r>
+            <a:endParaRPr lang="en-US" altLang="zh-CN" dirty="0" smtClean="0"/>
+          </a:p>
+          <a:p>
+            <a:r>
+              <a:rPr lang="zh-CN" altLang="en-US" dirty="0" smtClean="0"/>
+              <a:t>变量对大小写敏感</a:t>
+            </a:r>
+            <a:endParaRPr lang="en-US" altLang="zh-CN" dirty="0" smtClean="0"/>
+          </a:p>
+          <a:p>
+            <a:pPr lvl="1"/>
+            <a:r>
+              <a:rPr lang="en-US" altLang="zh-CN" dirty="0"/>
+              <a:t>$Name</a:t>
+            </a:r>
+            <a:r>
+              <a:rPr lang="zh-CN" altLang="en-US" dirty="0"/>
+              <a:t>、</a:t>
+            </a:r>
+            <a:r>
+              <a:rPr lang="en-US" altLang="zh-CN" dirty="0"/>
+              <a:t>$name </a:t>
+            </a:r>
+            <a:r>
+              <a:rPr lang="zh-CN" altLang="en-US" dirty="0"/>
+              <a:t>是不同的</a:t>
+            </a:r>
+            <a:r>
+              <a:rPr lang="zh-CN" altLang="en-US" dirty="0" smtClean="0"/>
+              <a:t>变量</a:t>
+            </a:r>
+            <a:endParaRPr lang="en-US" altLang="zh-CN" dirty="0" smtClean="0"/>
+          </a:p>
+          <a:p>
+            <a:r>
+              <a:rPr lang="zh-CN" altLang="en-US" dirty="0" smtClean="0"/>
+              <a:t>变量以</a:t>
+            </a:r>
+            <a:r>
+              <a:rPr lang="en-US" altLang="zh-CN" dirty="0" smtClean="0"/>
+              <a:t>$</a:t>
+            </a:r>
+            <a:r>
+              <a:rPr lang="zh-CN" altLang="en-US" dirty="0" smtClean="0"/>
+              <a:t>开头，名称必须以字母或者下划线开头</a:t>
+            </a:r>
+            <a:endParaRPr lang="en-US" altLang="zh-CN" dirty="0" smtClean="0"/>
+          </a:p>
+          <a:p>
+            <a:endParaRPr lang="en-US" altLang="zh-CN" dirty="0" smtClean="0"/>
+          </a:p>
+          <a:p>
+            <a:pPr lvl="1"/>
+            <a:endParaRPr lang="en-US" altLang="zh-CN" dirty="0" smtClean="0"/>
+          </a:p>
+          <a:p>
+            <a:endParaRPr lang="en-US" altLang="zh-CN" dirty="0"/>
+          </a:p>
+          <a:p>
+            <a:endParaRPr lang="en-US" altLang="zh-CN" dirty="0" smtClean="0"/>
+          </a:p>
+          <a:p>
+            <a:pPr lvl="1"/>
+            <a:endParaRPr lang="en-US" altLang="zh-CN" dirty="0"/>
+          </a:p>
+          <a:p>
+            <a:pPr lvl="1"/>
+            <a:endParaRPr lang="en-US" altLang="zh-CN" dirty="0" smtClean="0"/>
+          </a:p>
+          <a:p>
+            <a:pPr lvl="1"/>
+            <a:endParaRPr lang="en-US" altLang="zh-CN" dirty="0"/>
+          </a:p>
+          <a:p>
+            <a:pPr marL="457200" lvl="1" indent="0">
+              <a:buNone/>
+            </a:pPr>
+            <a:endParaRPr lang="en-US" altLang="zh-CN" dirty="0" smtClean="0"/>
+          </a:p>
+        </p:txBody>
+      </p:sp>
+    </p:spTree>
+    <p:extLst>
+      <p:ext uri="{BB962C8B-B14F-4D97-AF65-F5344CB8AC3E}">
+        <p14:creationId xmlns:p14="http://schemas.microsoft.com/office/powerpoint/2010/main" val="1092415279"/>
+      </p:ext>
+    </p:extLst>
   </p:cSld>
   <p:clrMapOvr>
     <a:masterClrMapping/>
